--- a/Database Administrator/Module4-Data Sources and Databases/4.2-File System Mastery Storing Data in Various Formats(2th-4p)/File System Mastery.pptx
+++ b/Database Administrator/Module4-Data Sources and Databases/4.2-File System Mastery Storing Data in Various Formats(2th-4p)/File System Mastery.pptx
@@ -363,7 +363,7 @@
   <pc:docChgLst>
     <pc:chgData name="Krishna Kant Dubey" userId="cd28fa1e1902c48d" providerId="LiveId" clId="{B3BF06C4-9821-47E6-A478-00EFEA54E971}"/>
     <pc:docChg chg="undo custSel addSld delSld modSld sldOrd">
-      <pc:chgData name="Krishna Kant Dubey" userId="cd28fa1e1902c48d" providerId="LiveId" clId="{B3BF06C4-9821-47E6-A478-00EFEA54E971}" dt="2025-08-07T14:24:50.943" v="321" actId="113"/>
+      <pc:chgData name="Krishna Kant Dubey" userId="cd28fa1e1902c48d" providerId="LiveId" clId="{B3BF06C4-9821-47E6-A478-00EFEA54E971}" dt="2025-08-11T06:10:24.456" v="322"/>
       <pc:docMkLst>
         <pc:docMk/>
       </pc:docMkLst>
@@ -381,6 +381,21 @@
             <ac:spMk id="12" creationId="{941B6D05-14FE-733C-BADE-E07A8CDD1589}"/>
           </ac:spMkLst>
         </pc:spChg>
+      </pc:sldChg>
+      <pc:sldChg chg="addSp modSp">
+        <pc:chgData name="Krishna Kant Dubey" userId="cd28fa1e1902c48d" providerId="LiveId" clId="{B3BF06C4-9821-47E6-A478-00EFEA54E971}" dt="2025-08-11T06:10:24.456" v="322"/>
+        <pc:sldMkLst>
+          <pc:docMk/>
+          <pc:sldMk cId="2381247086" sldId="257"/>
+        </pc:sldMkLst>
+        <pc:picChg chg="add mod">
+          <ac:chgData name="Krishna Kant Dubey" userId="cd28fa1e1902c48d" providerId="LiveId" clId="{B3BF06C4-9821-47E6-A478-00EFEA54E971}" dt="2025-08-11T06:10:24.456" v="322"/>
+          <ac:picMkLst>
+            <pc:docMk/>
+            <pc:sldMk cId="2381247086" sldId="257"/>
+            <ac:picMk id="3" creationId="{49D86A38-3EE8-3EE8-6AF2-C0DB66DB3443}"/>
+          </ac:picMkLst>
+        </pc:picChg>
       </pc:sldChg>
       <pc:sldChg chg="modSp mod">
         <pc:chgData name="Krishna Kant Dubey" userId="cd28fa1e1902c48d" providerId="LiveId" clId="{B3BF06C4-9821-47E6-A478-00EFEA54E971}" dt="2025-08-06T09:57:23.035" v="30" actId="20577"/>
@@ -562,14 +577,6 @@
           <pc:docMk/>
           <pc:sldMk cId="1596012336" sldId="270"/>
         </pc:sldMkLst>
-        <pc:spChg chg="del">
-          <ac:chgData name="Krishna Kant Dubey" userId="cd28fa1e1902c48d" providerId="LiveId" clId="{B3BF06C4-9821-47E6-A478-00EFEA54E971}" dt="2025-08-06T10:50:39.705" v="235" actId="3680"/>
-          <ac:spMkLst>
-            <pc:docMk/>
-            <pc:sldMk cId="1596012336" sldId="270"/>
-            <ac:spMk id="4" creationId="{E4346721-D095-DD69-11A7-8BE4B7C6C3D5}"/>
-          </ac:spMkLst>
-        </pc:spChg>
         <pc:spChg chg="mod">
           <ac:chgData name="Krishna Kant Dubey" userId="cd28fa1e1902c48d" providerId="LiveId" clId="{B3BF06C4-9821-47E6-A478-00EFEA54E971}" dt="2025-08-06T10:29:43.636" v="222" actId="207"/>
           <ac:spMkLst>
@@ -1005,7 +1012,7 @@
           <a:p>
             <a:fld id="{771BC1E5-8BD3-45A8-A8D4-BE6B8D3F526F}" type="datetimeFigureOut">
               <a:rPr lang="en-IN" smtClean="0"/>
-              <a:t>07-08-2025</a:t>
+              <a:t>11-08-2025</a:t>
             </a:fld>
             <a:endParaRPr lang="en-IN"/>
           </a:p>
@@ -1422,7 +1429,7 @@
           <a:p>
             <a:fld id="{8B8265E5-5E35-4F50-869B-ACC7CF337DF9}" type="datetimeFigureOut">
               <a:rPr lang="en-IN" smtClean="0"/>
-              <a:t>07-08-2025</a:t>
+              <a:t>11-08-2025</a:t>
             </a:fld>
             <a:endParaRPr lang="en-IN"/>
           </a:p>
@@ -1622,7 +1629,7 @@
           <a:p>
             <a:fld id="{8B8265E5-5E35-4F50-869B-ACC7CF337DF9}" type="datetimeFigureOut">
               <a:rPr lang="en-IN" smtClean="0"/>
-              <a:t>07-08-2025</a:t>
+              <a:t>11-08-2025</a:t>
             </a:fld>
             <a:endParaRPr lang="en-IN"/>
           </a:p>
@@ -1832,7 +1839,7 @@
           <a:p>
             <a:fld id="{8B8265E5-5E35-4F50-869B-ACC7CF337DF9}" type="datetimeFigureOut">
               <a:rPr lang="en-IN" smtClean="0"/>
-              <a:t>07-08-2025</a:t>
+              <a:t>11-08-2025</a:t>
             </a:fld>
             <a:endParaRPr lang="en-IN"/>
           </a:p>
@@ -2032,7 +2039,7 @@
           <a:p>
             <a:fld id="{8B8265E5-5E35-4F50-869B-ACC7CF337DF9}" type="datetimeFigureOut">
               <a:rPr lang="en-IN" smtClean="0"/>
-              <a:t>07-08-2025</a:t>
+              <a:t>11-08-2025</a:t>
             </a:fld>
             <a:endParaRPr lang="en-IN"/>
           </a:p>
@@ -2308,7 +2315,7 @@
           <a:p>
             <a:fld id="{8B8265E5-5E35-4F50-869B-ACC7CF337DF9}" type="datetimeFigureOut">
               <a:rPr lang="en-IN" smtClean="0"/>
-              <a:t>07-08-2025</a:t>
+              <a:t>11-08-2025</a:t>
             </a:fld>
             <a:endParaRPr lang="en-IN"/>
           </a:p>
@@ -2576,7 +2583,7 @@
           <a:p>
             <a:fld id="{8B8265E5-5E35-4F50-869B-ACC7CF337DF9}" type="datetimeFigureOut">
               <a:rPr lang="en-IN" smtClean="0"/>
-              <a:t>07-08-2025</a:t>
+              <a:t>11-08-2025</a:t>
             </a:fld>
             <a:endParaRPr lang="en-IN"/>
           </a:p>
@@ -2991,7 +2998,7 @@
           <a:p>
             <a:fld id="{8B8265E5-5E35-4F50-869B-ACC7CF337DF9}" type="datetimeFigureOut">
               <a:rPr lang="en-IN" smtClean="0"/>
-              <a:t>07-08-2025</a:t>
+              <a:t>11-08-2025</a:t>
             </a:fld>
             <a:endParaRPr lang="en-IN"/>
           </a:p>
@@ -3133,7 +3140,7 @@
           <a:p>
             <a:fld id="{8B8265E5-5E35-4F50-869B-ACC7CF337DF9}" type="datetimeFigureOut">
               <a:rPr lang="en-IN" smtClean="0"/>
-              <a:t>07-08-2025</a:t>
+              <a:t>11-08-2025</a:t>
             </a:fld>
             <a:endParaRPr lang="en-IN"/>
           </a:p>
@@ -3246,7 +3253,7 @@
           <a:p>
             <a:fld id="{8B8265E5-5E35-4F50-869B-ACC7CF337DF9}" type="datetimeFigureOut">
               <a:rPr lang="en-IN" smtClean="0"/>
-              <a:t>07-08-2025</a:t>
+              <a:t>11-08-2025</a:t>
             </a:fld>
             <a:endParaRPr lang="en-IN"/>
           </a:p>
@@ -3559,7 +3566,7 @@
           <a:p>
             <a:fld id="{8B8265E5-5E35-4F50-869B-ACC7CF337DF9}" type="datetimeFigureOut">
               <a:rPr lang="en-IN" smtClean="0"/>
-              <a:t>07-08-2025</a:t>
+              <a:t>11-08-2025</a:t>
             </a:fld>
             <a:endParaRPr lang="en-IN"/>
           </a:p>
@@ -3848,7 +3855,7 @@
           <a:p>
             <a:fld id="{8B8265E5-5E35-4F50-869B-ACC7CF337DF9}" type="datetimeFigureOut">
               <a:rPr lang="en-IN" smtClean="0"/>
-              <a:t>07-08-2025</a:t>
+              <a:t>11-08-2025</a:t>
             </a:fld>
             <a:endParaRPr lang="en-IN"/>
           </a:p>
@@ -4091,7 +4098,7 @@
           <a:p>
             <a:fld id="{8B8265E5-5E35-4F50-869B-ACC7CF337DF9}" type="datetimeFigureOut">
               <a:rPr lang="en-IN" smtClean="0"/>
-              <a:t>07-08-2025</a:t>
+              <a:t>11-08-2025</a:t>
             </a:fld>
             <a:endParaRPr lang="en-IN"/>
           </a:p>
@@ -4640,6 +4647,41 @@
           </a:p>
         </p:txBody>
       </p:sp>
+      <p:pic>
+        <p:nvPicPr>
+          <p:cNvPr id="3" name="Content Placeholder 4">
+            <a:extLst>
+              <a:ext uri="{FF2B5EF4-FFF2-40B4-BE49-F238E27FC236}">
+                <a16:creationId xmlns:a16="http://schemas.microsoft.com/office/drawing/2014/main" id="{49D86A38-3EE8-3EE8-6AF2-C0DB66DB3443}"/>
+              </a:ext>
+            </a:extLst>
+          </p:cNvPr>
+          <p:cNvPicPr>
+            <a:picLocks noGrp="1" noChangeAspect="1"/>
+          </p:cNvPicPr>
+          <p:nvPr/>
+        </p:nvPicPr>
+        <p:blipFill>
+          <a:blip r:embed="rId4">
+            <a:extLst>
+              <a:ext uri="{28A0092B-C50C-407E-A947-70E740481C1C}">
+                <a14:useLocalDpi xmlns:a14="http://schemas.microsoft.com/office/drawing/2010/main" val="0"/>
+              </a:ext>
+            </a:extLst>
+          </a:blip>
+          <a:srcRect/>
+          <a:stretch/>
+        </p:blipFill>
+        <p:spPr>
+          <a:xfrm>
+            <a:off x="-3047" y="0"/>
+            <a:ext cx="12198095" cy="6858000"/>
+          </a:xfrm>
+          <a:prstGeom prst="rect">
+            <a:avLst/>
+          </a:prstGeom>
+        </p:spPr>
+      </p:pic>
     </p:spTree>
     <p:extLst>
       <p:ext uri="{BB962C8B-B14F-4D97-AF65-F5344CB8AC3E}">
